--- a/Sigcomm2013/Figures/Figures.pptx
+++ b/Sigcomm2013/Figures/Figures.pptx
@@ -6,6 +6,7 @@
   </p:sldMasterIdLst>
   <p:sldIdLst>
     <p:sldId id="256" r:id="rId2"/>
+    <p:sldId id="257" r:id="rId3"/>
   </p:sldIdLst>
   <p:sldSz cx="9144000" cy="6858000" type="screen4x3"/>
   <p:notesSz cx="6858000" cy="9144000"/>
@@ -288,7 +289,7 @@
           <a:p>
             <a:fld id="{4A26D1FA-89BB-E84F-B9E5-751F8B176D76}" type="datetimeFigureOut">
               <a:rPr lang="en-US" smtClean="0"/>
-              <a:t>20/12/12</a:t>
+              <a:t>01/01/13</a:t>
             </a:fld>
             <a:endParaRPr lang="en-US"/>
           </a:p>
@@ -458,7 +459,7 @@
           <a:p>
             <a:fld id="{4A26D1FA-89BB-E84F-B9E5-751F8B176D76}" type="datetimeFigureOut">
               <a:rPr lang="en-US" smtClean="0"/>
-              <a:t>20/12/12</a:t>
+              <a:t>01/01/13</a:t>
             </a:fld>
             <a:endParaRPr lang="en-US"/>
           </a:p>
@@ -638,7 +639,7 @@
           <a:p>
             <a:fld id="{4A26D1FA-89BB-E84F-B9E5-751F8B176D76}" type="datetimeFigureOut">
               <a:rPr lang="en-US" smtClean="0"/>
-              <a:t>20/12/12</a:t>
+              <a:t>01/01/13</a:t>
             </a:fld>
             <a:endParaRPr lang="en-US"/>
           </a:p>
@@ -808,7 +809,7 @@
           <a:p>
             <a:fld id="{4A26D1FA-89BB-E84F-B9E5-751F8B176D76}" type="datetimeFigureOut">
               <a:rPr lang="en-US" smtClean="0"/>
-              <a:t>20/12/12</a:t>
+              <a:t>01/01/13</a:t>
             </a:fld>
             <a:endParaRPr lang="en-US"/>
           </a:p>
@@ -1054,7 +1055,7 @@
           <a:p>
             <a:fld id="{4A26D1FA-89BB-E84F-B9E5-751F8B176D76}" type="datetimeFigureOut">
               <a:rPr lang="en-US" smtClean="0"/>
-              <a:t>20/12/12</a:t>
+              <a:t>01/01/13</a:t>
             </a:fld>
             <a:endParaRPr lang="en-US"/>
           </a:p>
@@ -1342,7 +1343,7 @@
           <a:p>
             <a:fld id="{4A26D1FA-89BB-E84F-B9E5-751F8B176D76}" type="datetimeFigureOut">
               <a:rPr lang="en-US" smtClean="0"/>
-              <a:t>20/12/12</a:t>
+              <a:t>01/01/13</a:t>
             </a:fld>
             <a:endParaRPr lang="en-US"/>
           </a:p>
@@ -1764,7 +1765,7 @@
           <a:p>
             <a:fld id="{4A26D1FA-89BB-E84F-B9E5-751F8B176D76}" type="datetimeFigureOut">
               <a:rPr lang="en-US" smtClean="0"/>
-              <a:t>20/12/12</a:t>
+              <a:t>01/01/13</a:t>
             </a:fld>
             <a:endParaRPr lang="en-US"/>
           </a:p>
@@ -1882,7 +1883,7 @@
           <a:p>
             <a:fld id="{4A26D1FA-89BB-E84F-B9E5-751F8B176D76}" type="datetimeFigureOut">
               <a:rPr lang="en-US" smtClean="0"/>
-              <a:t>20/12/12</a:t>
+              <a:t>01/01/13</a:t>
             </a:fld>
             <a:endParaRPr lang="en-US"/>
           </a:p>
@@ -1977,7 +1978,7 @@
           <a:p>
             <a:fld id="{4A26D1FA-89BB-E84F-B9E5-751F8B176D76}" type="datetimeFigureOut">
               <a:rPr lang="en-US" smtClean="0"/>
-              <a:t>20/12/12</a:t>
+              <a:t>01/01/13</a:t>
             </a:fld>
             <a:endParaRPr lang="en-US"/>
           </a:p>
@@ -2254,7 +2255,7 @@
           <a:p>
             <a:fld id="{4A26D1FA-89BB-E84F-B9E5-751F8B176D76}" type="datetimeFigureOut">
               <a:rPr lang="en-US" smtClean="0"/>
-              <a:t>20/12/12</a:t>
+              <a:t>01/01/13</a:t>
             </a:fld>
             <a:endParaRPr lang="en-US"/>
           </a:p>
@@ -2507,7 +2508,7 @@
           <a:p>
             <a:fld id="{4A26D1FA-89BB-E84F-B9E5-751F8B176D76}" type="datetimeFigureOut">
               <a:rPr lang="en-US" smtClean="0"/>
-              <a:t>20/12/12</a:t>
+              <a:t>01/01/13</a:t>
             </a:fld>
             <a:endParaRPr lang="en-US"/>
           </a:p>
@@ -2720,7 +2721,7 @@
           <a:p>
             <a:fld id="{4A26D1FA-89BB-E84F-B9E5-751F8B176D76}" type="datetimeFigureOut">
               <a:rPr lang="en-US" smtClean="0"/>
-              <a:t>20/12/12</a:t>
+              <a:t>01/01/13</a:t>
             </a:fld>
             <a:endParaRPr lang="en-US"/>
           </a:p>
@@ -5324,6 +5325,2179 @@
     <p:extLst>
       <p:ext uri="{BB962C8B-B14F-4D97-AF65-F5344CB8AC3E}">
         <p14:creationId xmlns:p14="http://schemas.microsoft.com/office/powerpoint/2010/main" val="2043704101"/>
+      </p:ext>
+    </p:extLst>
+  </p:cSld>
+  <p:clrMapOvr>
+    <a:masterClrMapping/>
+  </p:clrMapOvr>
+</p:sld>
+</file>
+
+<file path=ppt/slides/slide2.xml><?xml version="1.0" encoding="utf-8"?>
+<p:sld xmlns:a="http://schemas.openxmlformats.org/drawingml/2006/main" xmlns:r="http://schemas.openxmlformats.org/officeDocument/2006/relationships" xmlns:p="http://schemas.openxmlformats.org/presentationml/2006/main">
+  <p:cSld>
+    <p:spTree>
+      <p:nvGrpSpPr>
+        <p:cNvPr id="1" name=""/>
+        <p:cNvGrpSpPr/>
+        <p:nvPr/>
+      </p:nvGrpSpPr>
+      <p:grpSpPr>
+        <a:xfrm>
+          <a:off x="0" y="0"/>
+          <a:ext cx="0" cy="0"/>
+          <a:chOff x="0" y="0"/>
+          <a:chExt cx="0" cy="0"/>
+        </a:xfrm>
+      </p:grpSpPr>
+      <p:sp>
+        <p:nvSpPr>
+          <p:cNvPr id="52" name="Isosceles Triangle 51"/>
+          <p:cNvSpPr/>
+          <p:nvPr/>
+        </p:nvSpPr>
+        <p:spPr>
+          <a:xfrm>
+            <a:off x="5546909" y="2991237"/>
+            <a:ext cx="2215347" cy="1495165"/>
+          </a:xfrm>
+          <a:prstGeom prst="triangle">
+            <a:avLst/>
+          </a:prstGeom>
+          <a:solidFill>
+            <a:schemeClr val="accent6">
+              <a:lumMod val="60000"/>
+              <a:lumOff val="40000"/>
+            </a:schemeClr>
+          </a:solidFill>
+          <a:ln>
+            <a:noFill/>
+          </a:ln>
+          <a:effectLst/>
+        </p:spPr>
+        <p:style>
+          <a:lnRef idx="1">
+            <a:schemeClr val="accent1"/>
+          </a:lnRef>
+          <a:fillRef idx="3">
+            <a:schemeClr val="accent1"/>
+          </a:fillRef>
+          <a:effectRef idx="2">
+            <a:schemeClr val="accent1"/>
+          </a:effectRef>
+          <a:fontRef idx="minor">
+            <a:schemeClr val="lt1"/>
+          </a:fontRef>
+        </p:style>
+        <p:txBody>
+          <a:bodyPr rtlCol="0" anchor="ctr"/>
+          <a:lstStyle/>
+          <a:p>
+            <a:pPr algn="ctr"/>
+            <a:endParaRPr lang="en-US"/>
+          </a:p>
+        </p:txBody>
+      </p:sp>
+      <p:cxnSp>
+        <p:nvCxnSpPr>
+          <p:cNvPr id="4" name="Straight Connector 3"/>
+          <p:cNvCxnSpPr/>
+          <p:nvPr/>
+        </p:nvCxnSpPr>
+        <p:spPr>
+          <a:xfrm flipV="1">
+            <a:off x="1623069" y="2095699"/>
+            <a:ext cx="1688433" cy="820054"/>
+          </a:xfrm>
+          <a:prstGeom prst="line">
+            <a:avLst/>
+          </a:prstGeom>
+          <a:ln w="31750">
+            <a:solidFill>
+              <a:srgbClr val="000000"/>
+            </a:solidFill>
+            <a:headEnd type="arrow"/>
+            <a:tailEnd type="arrow"/>
+          </a:ln>
+          <a:effectLst/>
+        </p:spPr>
+        <p:style>
+          <a:lnRef idx="2">
+            <a:schemeClr val="accent1"/>
+          </a:lnRef>
+          <a:fillRef idx="0">
+            <a:schemeClr val="accent1"/>
+          </a:fillRef>
+          <a:effectRef idx="1">
+            <a:schemeClr val="accent1"/>
+          </a:effectRef>
+          <a:fontRef idx="minor">
+            <a:schemeClr val="tx1"/>
+          </a:fontRef>
+        </p:style>
+      </p:cxnSp>
+      <p:sp>
+        <p:nvSpPr>
+          <p:cNvPr id="5" name="TextBox 4"/>
+          <p:cNvSpPr txBox="1"/>
+          <p:nvPr/>
+        </p:nvSpPr>
+        <p:spPr>
+          <a:xfrm>
+            <a:off x="3393528" y="1673397"/>
+            <a:ext cx="1304789" cy="369332"/>
+          </a:xfrm>
+          <a:prstGeom prst="rect">
+            <a:avLst/>
+          </a:prstGeom>
+          <a:solidFill>
+            <a:schemeClr val="accent3"/>
+          </a:solidFill>
+          <a:ln>
+            <a:solidFill>
+              <a:schemeClr val="tx1"/>
+            </a:solidFill>
+          </a:ln>
+        </p:spPr>
+        <p:txBody>
+          <a:bodyPr wrap="none" rtlCol="0">
+            <a:spAutoFit/>
+          </a:bodyPr>
+          <a:lstStyle/>
+          <a:p>
+            <a:r>
+              <a:rPr lang="en-US" dirty="0" smtClean="0">
+                <a:latin typeface="Segoe UI"/>
+                <a:cs typeface="Segoe UI"/>
+              </a:rPr>
+              <a:t>Super Root</a:t>
+            </a:r>
+            <a:endParaRPr lang="en-US" dirty="0">
+              <a:latin typeface="Segoe UI"/>
+              <a:cs typeface="Segoe UI"/>
+            </a:endParaRPr>
+          </a:p>
+        </p:txBody>
+      </p:sp>
+      <p:sp>
+        <p:nvSpPr>
+          <p:cNvPr id="6" name="Isosceles Triangle 5"/>
+          <p:cNvSpPr/>
+          <p:nvPr/>
+        </p:nvSpPr>
+        <p:spPr>
+          <a:xfrm>
+            <a:off x="2334602" y="3317573"/>
+            <a:ext cx="3423021" cy="2211255"/>
+          </a:xfrm>
+          <a:prstGeom prst="triangle">
+            <a:avLst/>
+          </a:prstGeom>
+          <a:solidFill>
+            <a:schemeClr val="accent6">
+              <a:lumMod val="60000"/>
+              <a:lumOff val="40000"/>
+            </a:schemeClr>
+          </a:solidFill>
+          <a:ln>
+            <a:noFill/>
+          </a:ln>
+          <a:effectLst/>
+        </p:spPr>
+        <p:style>
+          <a:lnRef idx="1">
+            <a:schemeClr val="accent1"/>
+          </a:lnRef>
+          <a:fillRef idx="3">
+            <a:schemeClr val="accent1"/>
+          </a:fillRef>
+          <a:effectRef idx="2">
+            <a:schemeClr val="accent1"/>
+          </a:effectRef>
+          <a:fontRef idx="minor">
+            <a:schemeClr val="lt1"/>
+          </a:fontRef>
+        </p:style>
+        <p:txBody>
+          <a:bodyPr rtlCol="0" anchor="ctr"/>
+          <a:lstStyle/>
+          <a:p>
+            <a:pPr algn="ctr"/>
+            <a:endParaRPr lang="en-US"/>
+          </a:p>
+        </p:txBody>
+      </p:sp>
+      <p:sp>
+        <p:nvSpPr>
+          <p:cNvPr id="8" name="Rectangle 7"/>
+          <p:cNvSpPr/>
+          <p:nvPr/>
+        </p:nvSpPr>
+        <p:spPr>
+          <a:xfrm>
+            <a:off x="2381266" y="5454433"/>
+            <a:ext cx="233076" cy="150969"/>
+          </a:xfrm>
+          <a:prstGeom prst="rect">
+            <a:avLst/>
+          </a:prstGeom>
+          <a:solidFill>
+            <a:srgbClr val="0000FF"/>
+          </a:solidFill>
+          <a:ln>
+            <a:solidFill>
+              <a:schemeClr val="tx1"/>
+            </a:solidFill>
+          </a:ln>
+          <a:effectLst/>
+        </p:spPr>
+        <p:style>
+          <a:lnRef idx="1">
+            <a:schemeClr val="accent1"/>
+          </a:lnRef>
+          <a:fillRef idx="3">
+            <a:schemeClr val="accent1"/>
+          </a:fillRef>
+          <a:effectRef idx="2">
+            <a:schemeClr val="accent1"/>
+          </a:effectRef>
+          <a:fontRef idx="minor">
+            <a:schemeClr val="lt1"/>
+          </a:fontRef>
+        </p:style>
+        <p:txBody>
+          <a:bodyPr rtlCol="0" anchor="ctr"/>
+          <a:lstStyle/>
+          <a:p>
+            <a:pPr algn="ctr"/>
+            <a:endParaRPr lang="en-US"/>
+          </a:p>
+        </p:txBody>
+      </p:sp>
+      <p:sp>
+        <p:nvSpPr>
+          <p:cNvPr id="18" name="Rectangle 17"/>
+          <p:cNvSpPr/>
+          <p:nvPr/>
+        </p:nvSpPr>
+        <p:spPr>
+          <a:xfrm>
+            <a:off x="2689827" y="5454433"/>
+            <a:ext cx="233076" cy="150969"/>
+          </a:xfrm>
+          <a:prstGeom prst="rect">
+            <a:avLst/>
+          </a:prstGeom>
+          <a:solidFill>
+            <a:srgbClr val="0000FF"/>
+          </a:solidFill>
+          <a:ln>
+            <a:solidFill>
+              <a:schemeClr val="tx1"/>
+            </a:solidFill>
+          </a:ln>
+          <a:effectLst/>
+        </p:spPr>
+        <p:style>
+          <a:lnRef idx="1">
+            <a:schemeClr val="accent1"/>
+          </a:lnRef>
+          <a:fillRef idx="3">
+            <a:schemeClr val="accent1"/>
+          </a:fillRef>
+          <a:effectRef idx="2">
+            <a:schemeClr val="accent1"/>
+          </a:effectRef>
+          <a:fontRef idx="minor">
+            <a:schemeClr val="lt1"/>
+          </a:fontRef>
+        </p:style>
+        <p:txBody>
+          <a:bodyPr rtlCol="0" anchor="ctr"/>
+          <a:lstStyle/>
+          <a:p>
+            <a:pPr algn="ctr"/>
+            <a:endParaRPr lang="en-US"/>
+          </a:p>
+        </p:txBody>
+      </p:sp>
+      <p:sp>
+        <p:nvSpPr>
+          <p:cNvPr id="21" name="Rectangle 20"/>
+          <p:cNvSpPr/>
+          <p:nvPr/>
+        </p:nvSpPr>
+        <p:spPr>
+          <a:xfrm>
+            <a:off x="3002941" y="5454433"/>
+            <a:ext cx="233076" cy="150969"/>
+          </a:xfrm>
+          <a:prstGeom prst="rect">
+            <a:avLst/>
+          </a:prstGeom>
+          <a:solidFill>
+            <a:srgbClr val="0000FF"/>
+          </a:solidFill>
+          <a:ln>
+            <a:solidFill>
+              <a:schemeClr val="tx1"/>
+            </a:solidFill>
+          </a:ln>
+          <a:effectLst/>
+        </p:spPr>
+        <p:style>
+          <a:lnRef idx="1">
+            <a:schemeClr val="accent1"/>
+          </a:lnRef>
+          <a:fillRef idx="3">
+            <a:schemeClr val="accent1"/>
+          </a:fillRef>
+          <a:effectRef idx="2">
+            <a:schemeClr val="accent1"/>
+          </a:effectRef>
+          <a:fontRef idx="minor">
+            <a:schemeClr val="lt1"/>
+          </a:fontRef>
+        </p:style>
+        <p:txBody>
+          <a:bodyPr rtlCol="0" anchor="ctr"/>
+          <a:lstStyle/>
+          <a:p>
+            <a:pPr algn="ctr"/>
+            <a:endParaRPr lang="en-US"/>
+          </a:p>
+        </p:txBody>
+      </p:sp>
+      <p:sp>
+        <p:nvSpPr>
+          <p:cNvPr id="22" name="Rectangle 21"/>
+          <p:cNvSpPr/>
+          <p:nvPr/>
+        </p:nvSpPr>
+        <p:spPr>
+          <a:xfrm>
+            <a:off x="3311502" y="5454433"/>
+            <a:ext cx="233076" cy="150969"/>
+          </a:xfrm>
+          <a:prstGeom prst="rect">
+            <a:avLst/>
+          </a:prstGeom>
+          <a:solidFill>
+            <a:srgbClr val="0000FF"/>
+          </a:solidFill>
+          <a:ln>
+            <a:solidFill>
+              <a:schemeClr val="tx1"/>
+            </a:solidFill>
+          </a:ln>
+          <a:effectLst/>
+        </p:spPr>
+        <p:style>
+          <a:lnRef idx="1">
+            <a:schemeClr val="accent1"/>
+          </a:lnRef>
+          <a:fillRef idx="3">
+            <a:schemeClr val="accent1"/>
+          </a:fillRef>
+          <a:effectRef idx="2">
+            <a:schemeClr val="accent1"/>
+          </a:effectRef>
+          <a:fontRef idx="minor">
+            <a:schemeClr val="lt1"/>
+          </a:fontRef>
+        </p:style>
+        <p:txBody>
+          <a:bodyPr rtlCol="0" anchor="ctr"/>
+          <a:lstStyle/>
+          <a:p>
+            <a:pPr algn="ctr"/>
+            <a:endParaRPr lang="en-US"/>
+          </a:p>
+        </p:txBody>
+      </p:sp>
+      <p:sp>
+        <p:nvSpPr>
+          <p:cNvPr id="23" name="Rectangle 22"/>
+          <p:cNvSpPr/>
+          <p:nvPr/>
+        </p:nvSpPr>
+        <p:spPr>
+          <a:xfrm>
+            <a:off x="3620214" y="5454433"/>
+            <a:ext cx="233076" cy="150969"/>
+          </a:xfrm>
+          <a:prstGeom prst="rect">
+            <a:avLst/>
+          </a:prstGeom>
+          <a:solidFill>
+            <a:srgbClr val="0000FF"/>
+          </a:solidFill>
+          <a:ln>
+            <a:solidFill>
+              <a:schemeClr val="tx1"/>
+            </a:solidFill>
+          </a:ln>
+          <a:effectLst/>
+        </p:spPr>
+        <p:style>
+          <a:lnRef idx="1">
+            <a:schemeClr val="accent1"/>
+          </a:lnRef>
+          <a:fillRef idx="3">
+            <a:schemeClr val="accent1"/>
+          </a:fillRef>
+          <a:effectRef idx="2">
+            <a:schemeClr val="accent1"/>
+          </a:effectRef>
+          <a:fontRef idx="minor">
+            <a:schemeClr val="lt1"/>
+          </a:fontRef>
+        </p:style>
+        <p:txBody>
+          <a:bodyPr rtlCol="0" anchor="ctr"/>
+          <a:lstStyle/>
+          <a:p>
+            <a:pPr algn="ctr"/>
+            <a:endParaRPr lang="en-US"/>
+          </a:p>
+        </p:txBody>
+      </p:sp>
+      <p:sp>
+        <p:nvSpPr>
+          <p:cNvPr id="25" name="Rectangle 24"/>
+          <p:cNvSpPr/>
+          <p:nvPr/>
+        </p:nvSpPr>
+        <p:spPr>
+          <a:xfrm>
+            <a:off x="3929791" y="5454433"/>
+            <a:ext cx="233076" cy="150969"/>
+          </a:xfrm>
+          <a:prstGeom prst="rect">
+            <a:avLst/>
+          </a:prstGeom>
+          <a:solidFill>
+            <a:srgbClr val="0000FF"/>
+          </a:solidFill>
+          <a:ln>
+            <a:solidFill>
+              <a:schemeClr val="tx1"/>
+            </a:solidFill>
+          </a:ln>
+          <a:effectLst/>
+        </p:spPr>
+        <p:style>
+          <a:lnRef idx="1">
+            <a:schemeClr val="accent1"/>
+          </a:lnRef>
+          <a:fillRef idx="3">
+            <a:schemeClr val="accent1"/>
+          </a:fillRef>
+          <a:effectRef idx="2">
+            <a:schemeClr val="accent1"/>
+          </a:effectRef>
+          <a:fontRef idx="minor">
+            <a:schemeClr val="lt1"/>
+          </a:fontRef>
+        </p:style>
+        <p:txBody>
+          <a:bodyPr rtlCol="0" anchor="ctr"/>
+          <a:lstStyle/>
+          <a:p>
+            <a:pPr algn="ctr"/>
+            <a:endParaRPr lang="en-US"/>
+          </a:p>
+        </p:txBody>
+      </p:sp>
+      <p:sp>
+        <p:nvSpPr>
+          <p:cNvPr id="26" name="Rectangle 25"/>
+          <p:cNvSpPr/>
+          <p:nvPr/>
+        </p:nvSpPr>
+        <p:spPr>
+          <a:xfrm>
+            <a:off x="4242905" y="5454433"/>
+            <a:ext cx="233076" cy="150969"/>
+          </a:xfrm>
+          <a:prstGeom prst="rect">
+            <a:avLst/>
+          </a:prstGeom>
+          <a:solidFill>
+            <a:srgbClr val="0000FF"/>
+          </a:solidFill>
+          <a:ln>
+            <a:solidFill>
+              <a:schemeClr val="tx1"/>
+            </a:solidFill>
+          </a:ln>
+          <a:effectLst/>
+        </p:spPr>
+        <p:style>
+          <a:lnRef idx="1">
+            <a:schemeClr val="accent1"/>
+          </a:lnRef>
+          <a:fillRef idx="3">
+            <a:schemeClr val="accent1"/>
+          </a:fillRef>
+          <a:effectRef idx="2">
+            <a:schemeClr val="accent1"/>
+          </a:effectRef>
+          <a:fontRef idx="minor">
+            <a:schemeClr val="lt1"/>
+          </a:fontRef>
+        </p:style>
+        <p:txBody>
+          <a:bodyPr rtlCol="0" anchor="ctr"/>
+          <a:lstStyle/>
+          <a:p>
+            <a:pPr algn="ctr"/>
+            <a:endParaRPr lang="en-US"/>
+          </a:p>
+        </p:txBody>
+      </p:sp>
+      <p:sp>
+        <p:nvSpPr>
+          <p:cNvPr id="27" name="Rectangle 26"/>
+          <p:cNvSpPr/>
+          <p:nvPr/>
+        </p:nvSpPr>
+        <p:spPr>
+          <a:xfrm>
+            <a:off x="4551466" y="5454433"/>
+            <a:ext cx="233076" cy="150969"/>
+          </a:xfrm>
+          <a:prstGeom prst="rect">
+            <a:avLst/>
+          </a:prstGeom>
+          <a:solidFill>
+            <a:srgbClr val="0000FF"/>
+          </a:solidFill>
+          <a:ln>
+            <a:solidFill>
+              <a:schemeClr val="tx1"/>
+            </a:solidFill>
+          </a:ln>
+          <a:effectLst/>
+        </p:spPr>
+        <p:style>
+          <a:lnRef idx="1">
+            <a:schemeClr val="accent1"/>
+          </a:lnRef>
+          <a:fillRef idx="3">
+            <a:schemeClr val="accent1"/>
+          </a:fillRef>
+          <a:effectRef idx="2">
+            <a:schemeClr val="accent1"/>
+          </a:effectRef>
+          <a:fontRef idx="minor">
+            <a:schemeClr val="lt1"/>
+          </a:fontRef>
+        </p:style>
+        <p:txBody>
+          <a:bodyPr rtlCol="0" anchor="ctr"/>
+          <a:lstStyle/>
+          <a:p>
+            <a:pPr algn="ctr"/>
+            <a:endParaRPr lang="en-US"/>
+          </a:p>
+        </p:txBody>
+      </p:sp>
+      <p:sp>
+        <p:nvSpPr>
+          <p:cNvPr id="28" name="Rectangle 27"/>
+          <p:cNvSpPr/>
+          <p:nvPr/>
+        </p:nvSpPr>
+        <p:spPr>
+          <a:xfrm>
+            <a:off x="4860178" y="5454433"/>
+            <a:ext cx="233076" cy="150969"/>
+          </a:xfrm>
+          <a:prstGeom prst="rect">
+            <a:avLst/>
+          </a:prstGeom>
+          <a:solidFill>
+            <a:srgbClr val="0000FF"/>
+          </a:solidFill>
+          <a:ln>
+            <a:solidFill>
+              <a:schemeClr val="tx1"/>
+            </a:solidFill>
+          </a:ln>
+          <a:effectLst/>
+        </p:spPr>
+        <p:style>
+          <a:lnRef idx="1">
+            <a:schemeClr val="accent1"/>
+          </a:lnRef>
+          <a:fillRef idx="3">
+            <a:schemeClr val="accent1"/>
+          </a:fillRef>
+          <a:effectRef idx="2">
+            <a:schemeClr val="accent1"/>
+          </a:effectRef>
+          <a:fontRef idx="minor">
+            <a:schemeClr val="lt1"/>
+          </a:fontRef>
+        </p:style>
+        <p:txBody>
+          <a:bodyPr rtlCol="0" anchor="ctr"/>
+          <a:lstStyle/>
+          <a:p>
+            <a:pPr algn="ctr"/>
+            <a:endParaRPr lang="en-US"/>
+          </a:p>
+        </p:txBody>
+      </p:sp>
+      <p:sp>
+        <p:nvSpPr>
+          <p:cNvPr id="30" name="Rectangle 29"/>
+          <p:cNvSpPr/>
+          <p:nvPr/>
+        </p:nvSpPr>
+        <p:spPr>
+          <a:xfrm>
+            <a:off x="5168739" y="5454433"/>
+            <a:ext cx="233076" cy="150969"/>
+          </a:xfrm>
+          <a:prstGeom prst="rect">
+            <a:avLst/>
+          </a:prstGeom>
+          <a:solidFill>
+            <a:srgbClr val="0000FF"/>
+          </a:solidFill>
+          <a:ln>
+            <a:solidFill>
+              <a:schemeClr val="tx1"/>
+            </a:solidFill>
+          </a:ln>
+          <a:effectLst/>
+        </p:spPr>
+        <p:style>
+          <a:lnRef idx="1">
+            <a:schemeClr val="accent1"/>
+          </a:lnRef>
+          <a:fillRef idx="3">
+            <a:schemeClr val="accent1"/>
+          </a:fillRef>
+          <a:effectRef idx="2">
+            <a:schemeClr val="accent1"/>
+          </a:effectRef>
+          <a:fontRef idx="minor">
+            <a:schemeClr val="lt1"/>
+          </a:fontRef>
+        </p:style>
+        <p:txBody>
+          <a:bodyPr rtlCol="0" anchor="ctr"/>
+          <a:lstStyle/>
+          <a:p>
+            <a:pPr algn="ctr"/>
+            <a:endParaRPr lang="en-US"/>
+          </a:p>
+        </p:txBody>
+      </p:sp>
+      <p:sp>
+        <p:nvSpPr>
+          <p:cNvPr id="31" name="Rectangle 30"/>
+          <p:cNvSpPr/>
+          <p:nvPr/>
+        </p:nvSpPr>
+        <p:spPr>
+          <a:xfrm>
+            <a:off x="5477451" y="5454433"/>
+            <a:ext cx="233076" cy="150969"/>
+          </a:xfrm>
+          <a:prstGeom prst="rect">
+            <a:avLst/>
+          </a:prstGeom>
+          <a:solidFill>
+            <a:srgbClr val="0000FF"/>
+          </a:solidFill>
+          <a:ln>
+            <a:solidFill>
+              <a:schemeClr val="tx1"/>
+            </a:solidFill>
+          </a:ln>
+          <a:effectLst/>
+        </p:spPr>
+        <p:style>
+          <a:lnRef idx="1">
+            <a:schemeClr val="accent1"/>
+          </a:lnRef>
+          <a:fillRef idx="3">
+            <a:schemeClr val="accent1"/>
+          </a:fillRef>
+          <a:effectRef idx="2">
+            <a:schemeClr val="accent1"/>
+          </a:effectRef>
+          <a:fontRef idx="minor">
+            <a:schemeClr val="lt1"/>
+          </a:fontRef>
+        </p:style>
+        <p:txBody>
+          <a:bodyPr rtlCol="0" anchor="ctr"/>
+          <a:lstStyle/>
+          <a:p>
+            <a:pPr algn="ctr"/>
+            <a:endParaRPr lang="en-US"/>
+          </a:p>
+        </p:txBody>
+      </p:sp>
+      <p:sp>
+        <p:nvSpPr>
+          <p:cNvPr id="33" name="Rectangle 32"/>
+          <p:cNvSpPr/>
+          <p:nvPr/>
+        </p:nvSpPr>
+        <p:spPr>
+          <a:xfrm>
+            <a:off x="3149792" y="4410919"/>
+            <a:ext cx="233076" cy="150969"/>
+          </a:xfrm>
+          <a:prstGeom prst="rect">
+            <a:avLst/>
+          </a:prstGeom>
+          <a:solidFill>
+            <a:srgbClr val="0000FF"/>
+          </a:solidFill>
+          <a:ln>
+            <a:solidFill>
+              <a:schemeClr val="tx1"/>
+            </a:solidFill>
+          </a:ln>
+          <a:effectLst/>
+        </p:spPr>
+        <p:style>
+          <a:lnRef idx="1">
+            <a:schemeClr val="accent1"/>
+          </a:lnRef>
+          <a:fillRef idx="3">
+            <a:schemeClr val="accent1"/>
+          </a:fillRef>
+          <a:effectRef idx="2">
+            <a:schemeClr val="accent1"/>
+          </a:effectRef>
+          <a:fontRef idx="minor">
+            <a:schemeClr val="lt1"/>
+          </a:fontRef>
+        </p:style>
+        <p:txBody>
+          <a:bodyPr rtlCol="0" anchor="ctr"/>
+          <a:lstStyle/>
+          <a:p>
+            <a:pPr algn="ctr"/>
+            <a:endParaRPr lang="en-US"/>
+          </a:p>
+        </p:txBody>
+      </p:sp>
+      <p:sp>
+        <p:nvSpPr>
+          <p:cNvPr id="34" name="Rectangle 33"/>
+          <p:cNvSpPr/>
+          <p:nvPr/>
+        </p:nvSpPr>
+        <p:spPr>
+          <a:xfrm>
+            <a:off x="3458353" y="4410919"/>
+            <a:ext cx="233076" cy="150969"/>
+          </a:xfrm>
+          <a:prstGeom prst="rect">
+            <a:avLst/>
+          </a:prstGeom>
+          <a:solidFill>
+            <a:srgbClr val="0000FF"/>
+          </a:solidFill>
+          <a:ln>
+            <a:solidFill>
+              <a:schemeClr val="tx1"/>
+            </a:solidFill>
+          </a:ln>
+          <a:effectLst/>
+        </p:spPr>
+        <p:style>
+          <a:lnRef idx="1">
+            <a:schemeClr val="accent1"/>
+          </a:lnRef>
+          <a:fillRef idx="3">
+            <a:schemeClr val="accent1"/>
+          </a:fillRef>
+          <a:effectRef idx="2">
+            <a:schemeClr val="accent1"/>
+          </a:effectRef>
+          <a:fontRef idx="minor">
+            <a:schemeClr val="lt1"/>
+          </a:fontRef>
+        </p:style>
+        <p:txBody>
+          <a:bodyPr rtlCol="0" anchor="ctr"/>
+          <a:lstStyle/>
+          <a:p>
+            <a:pPr algn="ctr"/>
+            <a:endParaRPr lang="en-US"/>
+          </a:p>
+        </p:txBody>
+      </p:sp>
+      <p:sp>
+        <p:nvSpPr>
+          <p:cNvPr id="35" name="Rectangle 34"/>
+          <p:cNvSpPr/>
+          <p:nvPr/>
+        </p:nvSpPr>
+        <p:spPr>
+          <a:xfrm>
+            <a:off x="3771467" y="4410919"/>
+            <a:ext cx="233076" cy="150969"/>
+          </a:xfrm>
+          <a:prstGeom prst="rect">
+            <a:avLst/>
+          </a:prstGeom>
+          <a:solidFill>
+            <a:srgbClr val="0000FF"/>
+          </a:solidFill>
+          <a:ln>
+            <a:solidFill>
+              <a:schemeClr val="tx1"/>
+            </a:solidFill>
+          </a:ln>
+          <a:effectLst/>
+        </p:spPr>
+        <p:style>
+          <a:lnRef idx="1">
+            <a:schemeClr val="accent1"/>
+          </a:lnRef>
+          <a:fillRef idx="3">
+            <a:schemeClr val="accent1"/>
+          </a:fillRef>
+          <a:effectRef idx="2">
+            <a:schemeClr val="accent1"/>
+          </a:effectRef>
+          <a:fontRef idx="minor">
+            <a:schemeClr val="lt1"/>
+          </a:fontRef>
+        </p:style>
+        <p:txBody>
+          <a:bodyPr rtlCol="0" anchor="ctr"/>
+          <a:lstStyle/>
+          <a:p>
+            <a:pPr algn="ctr"/>
+            <a:endParaRPr lang="en-US"/>
+          </a:p>
+        </p:txBody>
+      </p:sp>
+      <p:sp>
+        <p:nvSpPr>
+          <p:cNvPr id="36" name="Rectangle 35"/>
+          <p:cNvSpPr/>
+          <p:nvPr/>
+        </p:nvSpPr>
+        <p:spPr>
+          <a:xfrm>
+            <a:off x="4080028" y="4410919"/>
+            <a:ext cx="233076" cy="150969"/>
+          </a:xfrm>
+          <a:prstGeom prst="rect">
+            <a:avLst/>
+          </a:prstGeom>
+          <a:solidFill>
+            <a:srgbClr val="0000FF"/>
+          </a:solidFill>
+          <a:ln>
+            <a:solidFill>
+              <a:schemeClr val="tx1"/>
+            </a:solidFill>
+          </a:ln>
+          <a:effectLst/>
+        </p:spPr>
+        <p:style>
+          <a:lnRef idx="1">
+            <a:schemeClr val="accent1"/>
+          </a:lnRef>
+          <a:fillRef idx="3">
+            <a:schemeClr val="accent1"/>
+          </a:fillRef>
+          <a:effectRef idx="2">
+            <a:schemeClr val="accent1"/>
+          </a:effectRef>
+          <a:fontRef idx="minor">
+            <a:schemeClr val="lt1"/>
+          </a:fontRef>
+        </p:style>
+        <p:txBody>
+          <a:bodyPr rtlCol="0" anchor="ctr"/>
+          <a:lstStyle/>
+          <a:p>
+            <a:pPr algn="ctr"/>
+            <a:endParaRPr lang="en-US"/>
+          </a:p>
+        </p:txBody>
+      </p:sp>
+      <p:sp>
+        <p:nvSpPr>
+          <p:cNvPr id="37" name="Rectangle 36"/>
+          <p:cNvSpPr/>
+          <p:nvPr/>
+        </p:nvSpPr>
+        <p:spPr>
+          <a:xfrm>
+            <a:off x="4388740" y="4410919"/>
+            <a:ext cx="233076" cy="150969"/>
+          </a:xfrm>
+          <a:prstGeom prst="rect">
+            <a:avLst/>
+          </a:prstGeom>
+          <a:solidFill>
+            <a:srgbClr val="0000FF"/>
+          </a:solidFill>
+          <a:ln>
+            <a:solidFill>
+              <a:schemeClr val="tx1"/>
+            </a:solidFill>
+          </a:ln>
+          <a:effectLst/>
+        </p:spPr>
+        <p:style>
+          <a:lnRef idx="1">
+            <a:schemeClr val="accent1"/>
+          </a:lnRef>
+          <a:fillRef idx="3">
+            <a:schemeClr val="accent1"/>
+          </a:fillRef>
+          <a:effectRef idx="2">
+            <a:schemeClr val="accent1"/>
+          </a:effectRef>
+          <a:fontRef idx="minor">
+            <a:schemeClr val="lt1"/>
+          </a:fontRef>
+        </p:style>
+        <p:txBody>
+          <a:bodyPr rtlCol="0" anchor="ctr"/>
+          <a:lstStyle/>
+          <a:p>
+            <a:pPr algn="ctr"/>
+            <a:endParaRPr lang="en-US"/>
+          </a:p>
+        </p:txBody>
+      </p:sp>
+      <p:sp>
+        <p:nvSpPr>
+          <p:cNvPr id="38" name="Rectangle 37"/>
+          <p:cNvSpPr/>
+          <p:nvPr/>
+        </p:nvSpPr>
+        <p:spPr>
+          <a:xfrm>
+            <a:off x="4698317" y="4410919"/>
+            <a:ext cx="233076" cy="150969"/>
+          </a:xfrm>
+          <a:prstGeom prst="rect">
+            <a:avLst/>
+          </a:prstGeom>
+          <a:solidFill>
+            <a:srgbClr val="0000FF"/>
+          </a:solidFill>
+          <a:ln>
+            <a:solidFill>
+              <a:schemeClr val="tx1"/>
+            </a:solidFill>
+          </a:ln>
+          <a:effectLst/>
+        </p:spPr>
+        <p:style>
+          <a:lnRef idx="1">
+            <a:schemeClr val="accent1"/>
+          </a:lnRef>
+          <a:fillRef idx="3">
+            <a:schemeClr val="accent1"/>
+          </a:fillRef>
+          <a:effectRef idx="2">
+            <a:schemeClr val="accent1"/>
+          </a:effectRef>
+          <a:fontRef idx="minor">
+            <a:schemeClr val="lt1"/>
+          </a:fontRef>
+        </p:style>
+        <p:txBody>
+          <a:bodyPr rtlCol="0" anchor="ctr"/>
+          <a:lstStyle/>
+          <a:p>
+            <a:pPr algn="ctr"/>
+            <a:endParaRPr lang="en-US"/>
+          </a:p>
+        </p:txBody>
+      </p:sp>
+      <p:sp>
+        <p:nvSpPr>
+          <p:cNvPr id="40" name="Rectangle 39"/>
+          <p:cNvSpPr/>
+          <p:nvPr/>
+        </p:nvSpPr>
+        <p:spPr>
+          <a:xfrm>
+            <a:off x="3929791" y="3251748"/>
+            <a:ext cx="233076" cy="150969"/>
+          </a:xfrm>
+          <a:prstGeom prst="rect">
+            <a:avLst/>
+          </a:prstGeom>
+          <a:solidFill>
+            <a:srgbClr val="0000FF"/>
+          </a:solidFill>
+          <a:ln>
+            <a:solidFill>
+              <a:schemeClr val="tx1"/>
+            </a:solidFill>
+          </a:ln>
+          <a:effectLst/>
+        </p:spPr>
+        <p:style>
+          <a:lnRef idx="1">
+            <a:schemeClr val="accent1"/>
+          </a:lnRef>
+          <a:fillRef idx="3">
+            <a:schemeClr val="accent1"/>
+          </a:fillRef>
+          <a:effectRef idx="2">
+            <a:schemeClr val="accent1"/>
+          </a:effectRef>
+          <a:fontRef idx="minor">
+            <a:schemeClr val="lt1"/>
+          </a:fontRef>
+        </p:style>
+        <p:txBody>
+          <a:bodyPr rtlCol="0" anchor="ctr"/>
+          <a:lstStyle/>
+          <a:p>
+            <a:pPr algn="ctr"/>
+            <a:endParaRPr lang="en-US"/>
+          </a:p>
+        </p:txBody>
+      </p:sp>
+      <p:sp>
+        <p:nvSpPr>
+          <p:cNvPr id="41" name="Rectangle 40"/>
+          <p:cNvSpPr/>
+          <p:nvPr/>
+        </p:nvSpPr>
+        <p:spPr>
+          <a:xfrm>
+            <a:off x="5610556" y="4410918"/>
+            <a:ext cx="233076" cy="150969"/>
+          </a:xfrm>
+          <a:prstGeom prst="rect">
+            <a:avLst/>
+          </a:prstGeom>
+          <a:solidFill>
+            <a:srgbClr val="0000FF"/>
+          </a:solidFill>
+          <a:ln>
+            <a:solidFill>
+              <a:schemeClr val="tx1"/>
+            </a:solidFill>
+          </a:ln>
+          <a:effectLst/>
+        </p:spPr>
+        <p:style>
+          <a:lnRef idx="1">
+            <a:schemeClr val="accent1"/>
+          </a:lnRef>
+          <a:fillRef idx="3">
+            <a:schemeClr val="accent1"/>
+          </a:fillRef>
+          <a:effectRef idx="2">
+            <a:schemeClr val="accent1"/>
+          </a:effectRef>
+          <a:fontRef idx="minor">
+            <a:schemeClr val="lt1"/>
+          </a:fontRef>
+        </p:style>
+        <p:txBody>
+          <a:bodyPr rtlCol="0" anchor="ctr"/>
+          <a:lstStyle/>
+          <a:p>
+            <a:pPr algn="ctr"/>
+            <a:endParaRPr lang="en-US"/>
+          </a:p>
+        </p:txBody>
+      </p:sp>
+      <p:sp>
+        <p:nvSpPr>
+          <p:cNvPr id="42" name="Rectangle 41"/>
+          <p:cNvSpPr/>
+          <p:nvPr/>
+        </p:nvSpPr>
+        <p:spPr>
+          <a:xfrm>
+            <a:off x="5919117" y="4410918"/>
+            <a:ext cx="233076" cy="150969"/>
+          </a:xfrm>
+          <a:prstGeom prst="rect">
+            <a:avLst/>
+          </a:prstGeom>
+          <a:solidFill>
+            <a:srgbClr val="0000FF"/>
+          </a:solidFill>
+          <a:ln>
+            <a:solidFill>
+              <a:schemeClr val="tx1"/>
+            </a:solidFill>
+          </a:ln>
+          <a:effectLst/>
+        </p:spPr>
+        <p:style>
+          <a:lnRef idx="1">
+            <a:schemeClr val="accent1"/>
+          </a:lnRef>
+          <a:fillRef idx="3">
+            <a:schemeClr val="accent1"/>
+          </a:fillRef>
+          <a:effectRef idx="2">
+            <a:schemeClr val="accent1"/>
+          </a:effectRef>
+          <a:fontRef idx="minor">
+            <a:schemeClr val="lt1"/>
+          </a:fontRef>
+        </p:style>
+        <p:txBody>
+          <a:bodyPr rtlCol="0" anchor="ctr"/>
+          <a:lstStyle/>
+          <a:p>
+            <a:pPr algn="ctr"/>
+            <a:endParaRPr lang="en-US"/>
+          </a:p>
+        </p:txBody>
+      </p:sp>
+      <p:sp>
+        <p:nvSpPr>
+          <p:cNvPr id="43" name="Rectangle 42"/>
+          <p:cNvSpPr/>
+          <p:nvPr/>
+        </p:nvSpPr>
+        <p:spPr>
+          <a:xfrm>
+            <a:off x="6232231" y="4410918"/>
+            <a:ext cx="233076" cy="150969"/>
+          </a:xfrm>
+          <a:prstGeom prst="rect">
+            <a:avLst/>
+          </a:prstGeom>
+          <a:solidFill>
+            <a:srgbClr val="0000FF"/>
+          </a:solidFill>
+          <a:ln>
+            <a:solidFill>
+              <a:schemeClr val="tx1"/>
+            </a:solidFill>
+          </a:ln>
+          <a:effectLst/>
+        </p:spPr>
+        <p:style>
+          <a:lnRef idx="1">
+            <a:schemeClr val="accent1"/>
+          </a:lnRef>
+          <a:fillRef idx="3">
+            <a:schemeClr val="accent1"/>
+          </a:fillRef>
+          <a:effectRef idx="2">
+            <a:schemeClr val="accent1"/>
+          </a:effectRef>
+          <a:fontRef idx="minor">
+            <a:schemeClr val="lt1"/>
+          </a:fontRef>
+        </p:style>
+        <p:txBody>
+          <a:bodyPr rtlCol="0" anchor="ctr"/>
+          <a:lstStyle/>
+          <a:p>
+            <a:pPr algn="ctr"/>
+            <a:endParaRPr lang="en-US"/>
+          </a:p>
+        </p:txBody>
+      </p:sp>
+      <p:sp>
+        <p:nvSpPr>
+          <p:cNvPr id="44" name="Rectangle 43"/>
+          <p:cNvSpPr/>
+          <p:nvPr/>
+        </p:nvSpPr>
+        <p:spPr>
+          <a:xfrm>
+            <a:off x="6540792" y="4410918"/>
+            <a:ext cx="233076" cy="150969"/>
+          </a:xfrm>
+          <a:prstGeom prst="rect">
+            <a:avLst/>
+          </a:prstGeom>
+          <a:solidFill>
+            <a:srgbClr val="0000FF"/>
+          </a:solidFill>
+          <a:ln>
+            <a:solidFill>
+              <a:schemeClr val="tx1"/>
+            </a:solidFill>
+          </a:ln>
+          <a:effectLst/>
+        </p:spPr>
+        <p:style>
+          <a:lnRef idx="1">
+            <a:schemeClr val="accent1"/>
+          </a:lnRef>
+          <a:fillRef idx="3">
+            <a:schemeClr val="accent1"/>
+          </a:fillRef>
+          <a:effectRef idx="2">
+            <a:schemeClr val="accent1"/>
+          </a:effectRef>
+          <a:fontRef idx="minor">
+            <a:schemeClr val="lt1"/>
+          </a:fontRef>
+        </p:style>
+        <p:txBody>
+          <a:bodyPr rtlCol="0" anchor="ctr"/>
+          <a:lstStyle/>
+          <a:p>
+            <a:pPr algn="ctr"/>
+            <a:endParaRPr lang="en-US"/>
+          </a:p>
+        </p:txBody>
+      </p:sp>
+      <p:sp>
+        <p:nvSpPr>
+          <p:cNvPr id="45" name="Rectangle 44"/>
+          <p:cNvSpPr/>
+          <p:nvPr/>
+        </p:nvSpPr>
+        <p:spPr>
+          <a:xfrm>
+            <a:off x="6849504" y="4410918"/>
+            <a:ext cx="233076" cy="150969"/>
+          </a:xfrm>
+          <a:prstGeom prst="rect">
+            <a:avLst/>
+          </a:prstGeom>
+          <a:solidFill>
+            <a:srgbClr val="0000FF"/>
+          </a:solidFill>
+          <a:ln>
+            <a:solidFill>
+              <a:schemeClr val="tx1"/>
+            </a:solidFill>
+          </a:ln>
+          <a:effectLst/>
+        </p:spPr>
+        <p:style>
+          <a:lnRef idx="1">
+            <a:schemeClr val="accent1"/>
+          </a:lnRef>
+          <a:fillRef idx="3">
+            <a:schemeClr val="accent1"/>
+          </a:fillRef>
+          <a:effectRef idx="2">
+            <a:schemeClr val="accent1"/>
+          </a:effectRef>
+          <a:fontRef idx="minor">
+            <a:schemeClr val="lt1"/>
+          </a:fontRef>
+        </p:style>
+        <p:txBody>
+          <a:bodyPr rtlCol="0" anchor="ctr"/>
+          <a:lstStyle/>
+          <a:p>
+            <a:pPr algn="ctr"/>
+            <a:endParaRPr lang="en-US"/>
+          </a:p>
+        </p:txBody>
+      </p:sp>
+      <p:sp>
+        <p:nvSpPr>
+          <p:cNvPr id="46" name="Rectangle 45"/>
+          <p:cNvSpPr/>
+          <p:nvPr/>
+        </p:nvSpPr>
+        <p:spPr>
+          <a:xfrm>
+            <a:off x="7159081" y="4410918"/>
+            <a:ext cx="233076" cy="150969"/>
+          </a:xfrm>
+          <a:prstGeom prst="rect">
+            <a:avLst/>
+          </a:prstGeom>
+          <a:solidFill>
+            <a:srgbClr val="0000FF"/>
+          </a:solidFill>
+          <a:ln>
+            <a:solidFill>
+              <a:schemeClr val="tx1"/>
+            </a:solidFill>
+          </a:ln>
+          <a:effectLst/>
+        </p:spPr>
+        <p:style>
+          <a:lnRef idx="1">
+            <a:schemeClr val="accent1"/>
+          </a:lnRef>
+          <a:fillRef idx="3">
+            <a:schemeClr val="accent1"/>
+          </a:fillRef>
+          <a:effectRef idx="2">
+            <a:schemeClr val="accent1"/>
+          </a:effectRef>
+          <a:fontRef idx="minor">
+            <a:schemeClr val="lt1"/>
+          </a:fontRef>
+        </p:style>
+        <p:txBody>
+          <a:bodyPr rtlCol="0" anchor="ctr"/>
+          <a:lstStyle/>
+          <a:p>
+            <a:pPr algn="ctr"/>
+            <a:endParaRPr lang="en-US"/>
+          </a:p>
+        </p:txBody>
+      </p:sp>
+      <p:sp>
+        <p:nvSpPr>
+          <p:cNvPr id="47" name="Rectangle 46"/>
+          <p:cNvSpPr/>
+          <p:nvPr/>
+        </p:nvSpPr>
+        <p:spPr>
+          <a:xfrm>
+            <a:off x="7472195" y="4410918"/>
+            <a:ext cx="233076" cy="150969"/>
+          </a:xfrm>
+          <a:prstGeom prst="rect">
+            <a:avLst/>
+          </a:prstGeom>
+          <a:solidFill>
+            <a:srgbClr val="0000FF"/>
+          </a:solidFill>
+          <a:ln>
+            <a:solidFill>
+              <a:schemeClr val="tx1"/>
+            </a:solidFill>
+          </a:ln>
+          <a:effectLst/>
+        </p:spPr>
+        <p:style>
+          <a:lnRef idx="1">
+            <a:schemeClr val="accent1"/>
+          </a:lnRef>
+          <a:fillRef idx="3">
+            <a:schemeClr val="accent1"/>
+          </a:fillRef>
+          <a:effectRef idx="2">
+            <a:schemeClr val="accent1"/>
+          </a:effectRef>
+          <a:fontRef idx="minor">
+            <a:schemeClr val="lt1"/>
+          </a:fontRef>
+        </p:style>
+        <p:txBody>
+          <a:bodyPr rtlCol="0" anchor="ctr"/>
+          <a:lstStyle/>
+          <a:p>
+            <a:pPr algn="ctr"/>
+            <a:endParaRPr lang="en-US"/>
+          </a:p>
+        </p:txBody>
+      </p:sp>
+      <p:sp>
+        <p:nvSpPr>
+          <p:cNvPr id="53" name="Rectangle 52"/>
+          <p:cNvSpPr/>
+          <p:nvPr/>
+        </p:nvSpPr>
+        <p:spPr>
+          <a:xfrm>
+            <a:off x="6540792" y="2915752"/>
+            <a:ext cx="233076" cy="150969"/>
+          </a:xfrm>
+          <a:prstGeom prst="rect">
+            <a:avLst/>
+          </a:prstGeom>
+          <a:solidFill>
+            <a:srgbClr val="0000FF"/>
+          </a:solidFill>
+          <a:ln>
+            <a:solidFill>
+              <a:schemeClr val="tx1"/>
+            </a:solidFill>
+          </a:ln>
+          <a:effectLst/>
+        </p:spPr>
+        <p:style>
+          <a:lnRef idx="1">
+            <a:schemeClr val="accent1"/>
+          </a:lnRef>
+          <a:fillRef idx="3">
+            <a:schemeClr val="accent1"/>
+          </a:fillRef>
+          <a:effectRef idx="2">
+            <a:schemeClr val="accent1"/>
+          </a:effectRef>
+          <a:fontRef idx="minor">
+            <a:schemeClr val="lt1"/>
+          </a:fontRef>
+        </p:style>
+        <p:txBody>
+          <a:bodyPr rtlCol="0" anchor="ctr"/>
+          <a:lstStyle/>
+          <a:p>
+            <a:pPr algn="ctr"/>
+            <a:endParaRPr lang="en-US"/>
+          </a:p>
+        </p:txBody>
+      </p:sp>
+      <p:sp>
+        <p:nvSpPr>
+          <p:cNvPr id="54" name="Isosceles Triangle 53"/>
+          <p:cNvSpPr/>
+          <p:nvPr/>
+        </p:nvSpPr>
+        <p:spPr>
+          <a:xfrm>
+            <a:off x="271995" y="2992669"/>
+            <a:ext cx="2215347" cy="1495165"/>
+          </a:xfrm>
+          <a:prstGeom prst="triangle">
+            <a:avLst/>
+          </a:prstGeom>
+          <a:solidFill>
+            <a:schemeClr val="accent6">
+              <a:lumMod val="60000"/>
+              <a:lumOff val="40000"/>
+            </a:schemeClr>
+          </a:solidFill>
+          <a:ln>
+            <a:noFill/>
+          </a:ln>
+          <a:effectLst/>
+        </p:spPr>
+        <p:style>
+          <a:lnRef idx="1">
+            <a:schemeClr val="accent1"/>
+          </a:lnRef>
+          <a:fillRef idx="3">
+            <a:schemeClr val="accent1"/>
+          </a:fillRef>
+          <a:effectRef idx="2">
+            <a:schemeClr val="accent1"/>
+          </a:effectRef>
+          <a:fontRef idx="minor">
+            <a:schemeClr val="lt1"/>
+          </a:fontRef>
+        </p:style>
+        <p:txBody>
+          <a:bodyPr rtlCol="0" anchor="ctr"/>
+          <a:lstStyle/>
+          <a:p>
+            <a:pPr algn="ctr"/>
+            <a:endParaRPr lang="en-US"/>
+          </a:p>
+        </p:txBody>
+      </p:sp>
+      <p:sp>
+        <p:nvSpPr>
+          <p:cNvPr id="55" name="Rectangle 54"/>
+          <p:cNvSpPr/>
+          <p:nvPr/>
+        </p:nvSpPr>
+        <p:spPr>
+          <a:xfrm>
+            <a:off x="335642" y="4412350"/>
+            <a:ext cx="233076" cy="150969"/>
+          </a:xfrm>
+          <a:prstGeom prst="rect">
+            <a:avLst/>
+          </a:prstGeom>
+          <a:solidFill>
+            <a:srgbClr val="0000FF"/>
+          </a:solidFill>
+          <a:ln>
+            <a:solidFill>
+              <a:schemeClr val="tx1"/>
+            </a:solidFill>
+          </a:ln>
+          <a:effectLst/>
+        </p:spPr>
+        <p:style>
+          <a:lnRef idx="1">
+            <a:schemeClr val="accent1"/>
+          </a:lnRef>
+          <a:fillRef idx="3">
+            <a:schemeClr val="accent1"/>
+          </a:fillRef>
+          <a:effectRef idx="2">
+            <a:schemeClr val="accent1"/>
+          </a:effectRef>
+          <a:fontRef idx="minor">
+            <a:schemeClr val="lt1"/>
+          </a:fontRef>
+        </p:style>
+        <p:txBody>
+          <a:bodyPr rtlCol="0" anchor="ctr"/>
+          <a:lstStyle/>
+          <a:p>
+            <a:pPr algn="ctr"/>
+            <a:endParaRPr lang="en-US"/>
+          </a:p>
+        </p:txBody>
+      </p:sp>
+      <p:sp>
+        <p:nvSpPr>
+          <p:cNvPr id="56" name="Rectangle 55"/>
+          <p:cNvSpPr/>
+          <p:nvPr/>
+        </p:nvSpPr>
+        <p:spPr>
+          <a:xfrm>
+            <a:off x="644203" y="4412350"/>
+            <a:ext cx="233076" cy="150969"/>
+          </a:xfrm>
+          <a:prstGeom prst="rect">
+            <a:avLst/>
+          </a:prstGeom>
+          <a:solidFill>
+            <a:srgbClr val="0000FF"/>
+          </a:solidFill>
+          <a:ln>
+            <a:solidFill>
+              <a:schemeClr val="tx1"/>
+            </a:solidFill>
+          </a:ln>
+          <a:effectLst/>
+        </p:spPr>
+        <p:style>
+          <a:lnRef idx="1">
+            <a:schemeClr val="accent1"/>
+          </a:lnRef>
+          <a:fillRef idx="3">
+            <a:schemeClr val="accent1"/>
+          </a:fillRef>
+          <a:effectRef idx="2">
+            <a:schemeClr val="accent1"/>
+          </a:effectRef>
+          <a:fontRef idx="minor">
+            <a:schemeClr val="lt1"/>
+          </a:fontRef>
+        </p:style>
+        <p:txBody>
+          <a:bodyPr rtlCol="0" anchor="ctr"/>
+          <a:lstStyle/>
+          <a:p>
+            <a:pPr algn="ctr"/>
+            <a:endParaRPr lang="en-US"/>
+          </a:p>
+        </p:txBody>
+      </p:sp>
+      <p:sp>
+        <p:nvSpPr>
+          <p:cNvPr id="57" name="Rectangle 56"/>
+          <p:cNvSpPr/>
+          <p:nvPr/>
+        </p:nvSpPr>
+        <p:spPr>
+          <a:xfrm>
+            <a:off x="957317" y="4412350"/>
+            <a:ext cx="233076" cy="150969"/>
+          </a:xfrm>
+          <a:prstGeom prst="rect">
+            <a:avLst/>
+          </a:prstGeom>
+          <a:solidFill>
+            <a:srgbClr val="0000FF"/>
+          </a:solidFill>
+          <a:ln>
+            <a:solidFill>
+              <a:schemeClr val="tx1"/>
+            </a:solidFill>
+          </a:ln>
+          <a:effectLst/>
+        </p:spPr>
+        <p:style>
+          <a:lnRef idx="1">
+            <a:schemeClr val="accent1"/>
+          </a:lnRef>
+          <a:fillRef idx="3">
+            <a:schemeClr val="accent1"/>
+          </a:fillRef>
+          <a:effectRef idx="2">
+            <a:schemeClr val="accent1"/>
+          </a:effectRef>
+          <a:fontRef idx="minor">
+            <a:schemeClr val="lt1"/>
+          </a:fontRef>
+        </p:style>
+        <p:txBody>
+          <a:bodyPr rtlCol="0" anchor="ctr"/>
+          <a:lstStyle/>
+          <a:p>
+            <a:pPr algn="ctr"/>
+            <a:endParaRPr lang="en-US"/>
+          </a:p>
+        </p:txBody>
+      </p:sp>
+      <p:sp>
+        <p:nvSpPr>
+          <p:cNvPr id="58" name="Rectangle 57"/>
+          <p:cNvSpPr/>
+          <p:nvPr/>
+        </p:nvSpPr>
+        <p:spPr>
+          <a:xfrm>
+            <a:off x="1265878" y="4412350"/>
+            <a:ext cx="233076" cy="150969"/>
+          </a:xfrm>
+          <a:prstGeom prst="rect">
+            <a:avLst/>
+          </a:prstGeom>
+          <a:solidFill>
+            <a:srgbClr val="0000FF"/>
+          </a:solidFill>
+          <a:ln>
+            <a:solidFill>
+              <a:schemeClr val="tx1"/>
+            </a:solidFill>
+          </a:ln>
+          <a:effectLst/>
+        </p:spPr>
+        <p:style>
+          <a:lnRef idx="1">
+            <a:schemeClr val="accent1"/>
+          </a:lnRef>
+          <a:fillRef idx="3">
+            <a:schemeClr val="accent1"/>
+          </a:fillRef>
+          <a:effectRef idx="2">
+            <a:schemeClr val="accent1"/>
+          </a:effectRef>
+          <a:fontRef idx="minor">
+            <a:schemeClr val="lt1"/>
+          </a:fontRef>
+        </p:style>
+        <p:txBody>
+          <a:bodyPr rtlCol="0" anchor="ctr"/>
+          <a:lstStyle/>
+          <a:p>
+            <a:pPr algn="ctr"/>
+            <a:endParaRPr lang="en-US"/>
+          </a:p>
+        </p:txBody>
+      </p:sp>
+      <p:sp>
+        <p:nvSpPr>
+          <p:cNvPr id="59" name="Rectangle 58"/>
+          <p:cNvSpPr/>
+          <p:nvPr/>
+        </p:nvSpPr>
+        <p:spPr>
+          <a:xfrm>
+            <a:off x="1574590" y="4412350"/>
+            <a:ext cx="233076" cy="150969"/>
+          </a:xfrm>
+          <a:prstGeom prst="rect">
+            <a:avLst/>
+          </a:prstGeom>
+          <a:solidFill>
+            <a:srgbClr val="0000FF"/>
+          </a:solidFill>
+          <a:ln>
+            <a:solidFill>
+              <a:schemeClr val="tx1"/>
+            </a:solidFill>
+          </a:ln>
+          <a:effectLst/>
+        </p:spPr>
+        <p:style>
+          <a:lnRef idx="1">
+            <a:schemeClr val="accent1"/>
+          </a:lnRef>
+          <a:fillRef idx="3">
+            <a:schemeClr val="accent1"/>
+          </a:fillRef>
+          <a:effectRef idx="2">
+            <a:schemeClr val="accent1"/>
+          </a:effectRef>
+          <a:fontRef idx="minor">
+            <a:schemeClr val="lt1"/>
+          </a:fontRef>
+        </p:style>
+        <p:txBody>
+          <a:bodyPr rtlCol="0" anchor="ctr"/>
+          <a:lstStyle/>
+          <a:p>
+            <a:pPr algn="ctr"/>
+            <a:endParaRPr lang="en-US"/>
+          </a:p>
+        </p:txBody>
+      </p:sp>
+      <p:sp>
+        <p:nvSpPr>
+          <p:cNvPr id="60" name="Rectangle 59"/>
+          <p:cNvSpPr/>
+          <p:nvPr/>
+        </p:nvSpPr>
+        <p:spPr>
+          <a:xfrm>
+            <a:off x="1884167" y="4412350"/>
+            <a:ext cx="233076" cy="150969"/>
+          </a:xfrm>
+          <a:prstGeom prst="rect">
+            <a:avLst/>
+          </a:prstGeom>
+          <a:solidFill>
+            <a:srgbClr val="0000FF"/>
+          </a:solidFill>
+          <a:ln>
+            <a:solidFill>
+              <a:schemeClr val="tx1"/>
+            </a:solidFill>
+          </a:ln>
+          <a:effectLst/>
+        </p:spPr>
+        <p:style>
+          <a:lnRef idx="1">
+            <a:schemeClr val="accent1"/>
+          </a:lnRef>
+          <a:fillRef idx="3">
+            <a:schemeClr val="accent1"/>
+          </a:fillRef>
+          <a:effectRef idx="2">
+            <a:schemeClr val="accent1"/>
+          </a:effectRef>
+          <a:fontRef idx="minor">
+            <a:schemeClr val="lt1"/>
+          </a:fontRef>
+        </p:style>
+        <p:txBody>
+          <a:bodyPr rtlCol="0" anchor="ctr"/>
+          <a:lstStyle/>
+          <a:p>
+            <a:pPr algn="ctr"/>
+            <a:endParaRPr lang="en-US"/>
+          </a:p>
+        </p:txBody>
+      </p:sp>
+      <p:sp>
+        <p:nvSpPr>
+          <p:cNvPr id="61" name="Rectangle 60"/>
+          <p:cNvSpPr/>
+          <p:nvPr/>
+        </p:nvSpPr>
+        <p:spPr>
+          <a:xfrm>
+            <a:off x="2197281" y="4412350"/>
+            <a:ext cx="233076" cy="150969"/>
+          </a:xfrm>
+          <a:prstGeom prst="rect">
+            <a:avLst/>
+          </a:prstGeom>
+          <a:solidFill>
+            <a:srgbClr val="0000FF"/>
+          </a:solidFill>
+          <a:ln>
+            <a:solidFill>
+              <a:schemeClr val="tx1"/>
+            </a:solidFill>
+          </a:ln>
+          <a:effectLst/>
+        </p:spPr>
+        <p:style>
+          <a:lnRef idx="1">
+            <a:schemeClr val="accent1"/>
+          </a:lnRef>
+          <a:fillRef idx="3">
+            <a:schemeClr val="accent1"/>
+          </a:fillRef>
+          <a:effectRef idx="2">
+            <a:schemeClr val="accent1"/>
+          </a:effectRef>
+          <a:fontRef idx="minor">
+            <a:schemeClr val="lt1"/>
+          </a:fontRef>
+        </p:style>
+        <p:txBody>
+          <a:bodyPr rtlCol="0" anchor="ctr"/>
+          <a:lstStyle/>
+          <a:p>
+            <a:pPr algn="ctr"/>
+            <a:endParaRPr lang="en-US"/>
+          </a:p>
+        </p:txBody>
+      </p:sp>
+      <p:sp>
+        <p:nvSpPr>
+          <p:cNvPr id="62" name="Rectangle 61"/>
+          <p:cNvSpPr/>
+          <p:nvPr/>
+        </p:nvSpPr>
+        <p:spPr>
+          <a:xfrm>
+            <a:off x="1265878" y="2917184"/>
+            <a:ext cx="233076" cy="150969"/>
+          </a:xfrm>
+          <a:prstGeom prst="rect">
+            <a:avLst/>
+          </a:prstGeom>
+          <a:solidFill>
+            <a:srgbClr val="0000FF"/>
+          </a:solidFill>
+          <a:ln>
+            <a:solidFill>
+              <a:schemeClr val="tx1"/>
+            </a:solidFill>
+          </a:ln>
+          <a:effectLst/>
+        </p:spPr>
+        <p:style>
+          <a:lnRef idx="1">
+            <a:schemeClr val="accent1"/>
+          </a:lnRef>
+          <a:fillRef idx="3">
+            <a:schemeClr val="accent1"/>
+          </a:fillRef>
+          <a:effectRef idx="2">
+            <a:schemeClr val="accent1"/>
+          </a:effectRef>
+          <a:fontRef idx="minor">
+            <a:schemeClr val="lt1"/>
+          </a:fontRef>
+        </p:style>
+        <p:txBody>
+          <a:bodyPr rtlCol="0" anchor="ctr"/>
+          <a:lstStyle/>
+          <a:p>
+            <a:pPr algn="ctr"/>
+            <a:endParaRPr lang="en-US"/>
+          </a:p>
+        </p:txBody>
+      </p:sp>
+      <p:sp>
+        <p:nvSpPr>
+          <p:cNvPr id="63" name="TextBox 62"/>
+          <p:cNvSpPr txBox="1"/>
+          <p:nvPr/>
+        </p:nvSpPr>
+        <p:spPr>
+          <a:xfrm>
+            <a:off x="2879981" y="1000047"/>
+            <a:ext cx="2332264" cy="369332"/>
+          </a:xfrm>
+          <a:prstGeom prst="rect">
+            <a:avLst/>
+          </a:prstGeom>
+          <a:solidFill>
+            <a:schemeClr val="accent3"/>
+          </a:solidFill>
+          <a:ln>
+            <a:solidFill>
+              <a:schemeClr val="tx1"/>
+            </a:solidFill>
+          </a:ln>
+        </p:spPr>
+        <p:txBody>
+          <a:bodyPr wrap="none" rtlCol="0">
+            <a:spAutoFit/>
+          </a:bodyPr>
+          <a:lstStyle/>
+          <a:p>
+            <a:r>
+              <a:rPr lang="en-US" dirty="0" smtClean="0">
+                <a:latin typeface="Segoe UI"/>
+                <a:cs typeface="Segoe UI"/>
+              </a:rPr>
+              <a:t>Frontend Web Server</a:t>
+            </a:r>
+            <a:endParaRPr lang="en-US" dirty="0">
+              <a:latin typeface="Segoe UI"/>
+              <a:cs typeface="Segoe UI"/>
+            </a:endParaRPr>
+          </a:p>
+        </p:txBody>
+      </p:sp>
+      <p:cxnSp>
+        <p:nvCxnSpPr>
+          <p:cNvPr id="67" name="Straight Connector 66"/>
+          <p:cNvCxnSpPr/>
+          <p:nvPr/>
+        </p:nvCxnSpPr>
+        <p:spPr>
+          <a:xfrm flipH="1" flipV="1">
+            <a:off x="4760644" y="2095699"/>
+            <a:ext cx="1688433" cy="820054"/>
+          </a:xfrm>
+          <a:prstGeom prst="line">
+            <a:avLst/>
+          </a:prstGeom>
+          <a:ln w="31750">
+            <a:solidFill>
+              <a:srgbClr val="000000"/>
+            </a:solidFill>
+            <a:headEnd type="arrow"/>
+            <a:tailEnd type="arrow"/>
+          </a:ln>
+          <a:effectLst/>
+        </p:spPr>
+        <p:style>
+          <a:lnRef idx="2">
+            <a:schemeClr val="accent1"/>
+          </a:lnRef>
+          <a:fillRef idx="0">
+            <a:schemeClr val="accent1"/>
+          </a:fillRef>
+          <a:effectRef idx="1">
+            <a:schemeClr val="accent1"/>
+          </a:effectRef>
+          <a:fontRef idx="minor">
+            <a:schemeClr val="tx1"/>
+          </a:fontRef>
+        </p:style>
+      </p:cxnSp>
+      <p:cxnSp>
+        <p:nvCxnSpPr>
+          <p:cNvPr id="68" name="Straight Connector 67"/>
+          <p:cNvCxnSpPr/>
+          <p:nvPr/>
+        </p:nvCxnSpPr>
+        <p:spPr>
+          <a:xfrm flipV="1">
+            <a:off x="4046113" y="2095699"/>
+            <a:ext cx="0" cy="1156049"/>
+          </a:xfrm>
+          <a:prstGeom prst="line">
+            <a:avLst/>
+          </a:prstGeom>
+          <a:ln w="31750">
+            <a:solidFill>
+              <a:srgbClr val="000000"/>
+            </a:solidFill>
+            <a:headEnd type="arrow"/>
+            <a:tailEnd type="arrow"/>
+          </a:ln>
+          <a:effectLst/>
+        </p:spPr>
+        <p:style>
+          <a:lnRef idx="2">
+            <a:schemeClr val="accent1"/>
+          </a:lnRef>
+          <a:fillRef idx="0">
+            <a:schemeClr val="accent1"/>
+          </a:fillRef>
+          <a:effectRef idx="1">
+            <a:schemeClr val="accent1"/>
+          </a:effectRef>
+          <a:fontRef idx="minor">
+            <a:schemeClr val="tx1"/>
+          </a:fontRef>
+        </p:style>
+      </p:cxnSp>
+      <p:cxnSp>
+        <p:nvCxnSpPr>
+          <p:cNvPr id="77" name="Straight Arrow Connector 76"/>
+          <p:cNvCxnSpPr>
+            <a:stCxn id="63" idx="2"/>
+            <a:endCxn id="5" idx="0"/>
+          </p:cNvCxnSpPr>
+          <p:nvPr/>
+        </p:nvCxnSpPr>
+        <p:spPr>
+          <a:xfrm flipH="1">
+            <a:off x="4045923" y="1369379"/>
+            <a:ext cx="190" cy="304018"/>
+          </a:xfrm>
+          <a:prstGeom prst="straightConnector1">
+            <a:avLst/>
+          </a:prstGeom>
+          <a:ln>
+            <a:tailEnd type="arrow"/>
+          </a:ln>
+        </p:spPr>
+        <p:style>
+          <a:lnRef idx="2">
+            <a:schemeClr val="accent1"/>
+          </a:lnRef>
+          <a:fillRef idx="0">
+            <a:schemeClr val="accent1"/>
+          </a:fillRef>
+          <a:effectRef idx="1">
+            <a:schemeClr val="accent1"/>
+          </a:effectRef>
+          <a:fontRef idx="minor">
+            <a:schemeClr val="tx1"/>
+          </a:fontRef>
+        </p:style>
+      </p:cxnSp>
+      <p:cxnSp>
+        <p:nvCxnSpPr>
+          <p:cNvPr id="78" name="Straight Arrow Connector 77"/>
+          <p:cNvCxnSpPr/>
+          <p:nvPr/>
+        </p:nvCxnSpPr>
+        <p:spPr>
+          <a:xfrm flipH="1">
+            <a:off x="4046113" y="696029"/>
+            <a:ext cx="190" cy="304018"/>
+          </a:xfrm>
+          <a:prstGeom prst="straightConnector1">
+            <a:avLst/>
+          </a:prstGeom>
+          <a:ln>
+            <a:tailEnd type="arrow"/>
+          </a:ln>
+        </p:spPr>
+        <p:style>
+          <a:lnRef idx="2">
+            <a:schemeClr val="accent1"/>
+          </a:lnRef>
+          <a:fillRef idx="0">
+            <a:schemeClr val="accent1"/>
+          </a:fillRef>
+          <a:effectRef idx="1">
+            <a:schemeClr val="accent1"/>
+          </a:effectRef>
+          <a:fontRef idx="minor">
+            <a:schemeClr val="tx1"/>
+          </a:fontRef>
+        </p:style>
+      </p:cxnSp>
+      <p:sp>
+        <p:nvSpPr>
+          <p:cNvPr id="79" name="TextBox 78"/>
+          <p:cNvSpPr txBox="1"/>
+          <p:nvPr/>
+        </p:nvSpPr>
+        <p:spPr>
+          <a:xfrm>
+            <a:off x="3652225" y="326697"/>
+            <a:ext cx="787395" cy="369332"/>
+          </a:xfrm>
+          <a:prstGeom prst="rect">
+            <a:avLst/>
+          </a:prstGeom>
+          <a:noFill/>
+        </p:spPr>
+        <p:txBody>
+          <a:bodyPr wrap="none" rtlCol="0">
+            <a:spAutoFit/>
+          </a:bodyPr>
+          <a:lstStyle/>
+          <a:p>
+            <a:r>
+              <a:rPr lang="en-US" dirty="0" smtClean="0">
+                <a:latin typeface="Segoe UI"/>
+                <a:cs typeface="Segoe UI"/>
+              </a:rPr>
+              <a:t>query</a:t>
+            </a:r>
+            <a:endParaRPr lang="en-US" dirty="0">
+              <a:latin typeface="Segoe UI"/>
+              <a:cs typeface="Segoe UI"/>
+            </a:endParaRPr>
+          </a:p>
+        </p:txBody>
+      </p:sp>
+      <p:sp>
+        <p:nvSpPr>
+          <p:cNvPr id="80" name="TextBox 79"/>
+          <p:cNvSpPr txBox="1"/>
+          <p:nvPr/>
+        </p:nvSpPr>
+        <p:spPr>
+          <a:xfrm>
+            <a:off x="1001097" y="3804879"/>
+            <a:ext cx="736725" cy="369332"/>
+          </a:xfrm>
+          <a:prstGeom prst="rect">
+            <a:avLst/>
+          </a:prstGeom>
+          <a:noFill/>
+        </p:spPr>
+        <p:txBody>
+          <a:bodyPr wrap="none" rtlCol="0">
+            <a:spAutoFit/>
+          </a:bodyPr>
+          <a:lstStyle/>
+          <a:p>
+            <a:r>
+              <a:rPr lang="en-US" dirty="0" smtClean="0">
+                <a:latin typeface="Segoe UI"/>
+                <a:cs typeface="Segoe UI"/>
+              </a:rPr>
+              <a:t>News</a:t>
+            </a:r>
+          </a:p>
+        </p:txBody>
+      </p:sp>
+      <p:sp>
+        <p:nvSpPr>
+          <p:cNvPr id="81" name="TextBox 80"/>
+          <p:cNvSpPr txBox="1"/>
+          <p:nvPr/>
+        </p:nvSpPr>
+        <p:spPr>
+          <a:xfrm>
+            <a:off x="3713922" y="4862757"/>
+            <a:ext cx="664001" cy="369332"/>
+          </a:xfrm>
+          <a:prstGeom prst="rect">
+            <a:avLst/>
+          </a:prstGeom>
+          <a:noFill/>
+        </p:spPr>
+        <p:txBody>
+          <a:bodyPr wrap="none" rtlCol="0">
+            <a:spAutoFit/>
+          </a:bodyPr>
+          <a:lstStyle/>
+          <a:p>
+            <a:r>
+              <a:rPr lang="en-US" dirty="0" smtClean="0">
+                <a:latin typeface="Segoe UI"/>
+                <a:cs typeface="Segoe UI"/>
+              </a:rPr>
+              <a:t>Web</a:t>
+            </a:r>
+          </a:p>
+        </p:txBody>
+      </p:sp>
+      <p:sp>
+        <p:nvSpPr>
+          <p:cNvPr id="82" name="TextBox 81"/>
+          <p:cNvSpPr txBox="1"/>
+          <p:nvPr/>
+        </p:nvSpPr>
+        <p:spPr>
+          <a:xfrm>
+            <a:off x="6263890" y="3804879"/>
+            <a:ext cx="788660" cy="369332"/>
+          </a:xfrm>
+          <a:prstGeom prst="rect">
+            <a:avLst/>
+          </a:prstGeom>
+          <a:noFill/>
+        </p:spPr>
+        <p:txBody>
+          <a:bodyPr wrap="none" rtlCol="0">
+            <a:spAutoFit/>
+          </a:bodyPr>
+          <a:lstStyle/>
+          <a:p>
+            <a:r>
+              <a:rPr lang="en-US" dirty="0" smtClean="0">
+                <a:latin typeface="Segoe UI"/>
+                <a:cs typeface="Segoe UI"/>
+              </a:rPr>
+              <a:t>Video</a:t>
+            </a:r>
+          </a:p>
+        </p:txBody>
+      </p:sp>
+    </p:spTree>
+    <p:extLst>
+      <p:ext uri="{BB962C8B-B14F-4D97-AF65-F5344CB8AC3E}">
+        <p14:creationId xmlns:p14="http://schemas.microsoft.com/office/powerpoint/2010/main" val="2409578188"/>
       </p:ext>
     </p:extLst>
   </p:cSld>
